--- a/manyFromList.pptx
+++ b/manyFromList.pptx
@@ -6,6 +6,12 @@
   </p:sldMasterIdLst>
   <p:sldIdLst>
     <p:sldId id="256" r:id="rId7"/>
+    <p:sldId id="257" r:id="rId8"/>
+    <p:sldId id="258" r:id="rId9"/>
+    <p:sldId id="259" r:id="rId10"/>
+    <p:sldId id="260" r:id="rId11"/>
+    <p:sldId id="261" r:id="rId12"/>
+    <p:sldId id="262" r:id="rId13"/>
   </p:sldIdLst>
   <p:sldSz cx="9144000" cy="6858000" type="screen4x3"/>
   <p:notesSz cx="6858000" cy="9144000"/>
@@ -3119,73 +3125,833 @@
               <a:rPr sz="1800" b="0" i="0">
                 <a:latin typeface="Calibri"/>
               </a:rPr>
-              <a:t>list: ??(not enough words to generate)</a:t>
-            </a:r>
-            <a:endParaRPr sz="1800" b="0" i="0">
-              <a:latin typeface="Calibri"/>
-            </a:endParaRPr>
-          </a:p>
-          <a:p>
-            <a:r>
-              <a:rPr sz="1800" b="0" i="0">
-                <a:latin typeface="Calibri"/>
-              </a:rPr>
-              <a:t>of: 2/5(words)  1/4(from)  </a:t>
-            </a:r>
-            <a:endParaRPr sz="1800" b="0" i="0">
-              <a:latin typeface="Calibri"/>
-            </a:endParaRPr>
-          </a:p>
-          <a:p>
-            <a:r>
-              <a:rPr sz="1800" b="0" i="0">
-                <a:latin typeface="Calibri"/>
-              </a:rPr>
-              <a:t>words: ??(not enough words to generate)</a:t>
-            </a:r>
-            <a:endParaRPr sz="1800" b="0" i="0">
-              <a:latin typeface="Calibri"/>
-            </a:endParaRPr>
-          </a:p>
-          <a:p>
-            <a:r>
-              <a:rPr sz="1800" b="0" i="0">
-                <a:latin typeface="Calibri"/>
-              </a:rPr>
-              <a:t>to: 4/4(list)  1/2(of)  </a:t>
-            </a:r>
-            <a:endParaRPr sz="1800" b="0" i="0">
-              <a:latin typeface="Calibri"/>
-            </a:endParaRPr>
-          </a:p>
-          <a:p>
-            <a:r>
-              <a:rPr sz="1800" b="0" i="0">
-                <a:latin typeface="Calibri"/>
-              </a:rPr>
-              <a:t>choose: ??(not enough words to generate)</a:t>
-            </a:r>
-            <a:endParaRPr sz="1800" b="0" i="0">
-              <a:latin typeface="Calibri"/>
-            </a:endParaRPr>
-          </a:p>
-          <a:p>
-            <a:r>
-              <a:rPr sz="1800" b="0" i="0">
-                <a:latin typeface="Calibri"/>
-              </a:rPr>
-              <a:t>from: 2/2(of)  3/5(words)  2/2(to)  ??(not enough words to generate)</a:t>
-            </a:r>
-            <a:endParaRPr sz="1800" b="0" i="0">
-              <a:latin typeface="Calibri"/>
-            </a:endParaRPr>
-          </a:p>
-          <a:p>
-            <a:r>
-              <a:rPr sz="1800" b="0" i="0">
-                <a:latin typeface="Calibri"/>
-              </a:rPr>
-              <a:t>but: ??(not enough words to generate)</a:t>
+              <a:t>There: ??(not enough words to generate)</a:t>
+            </a:r>
+            <a:endParaRPr sz="1800" b="0" i="0">
+              <a:latin typeface="Calibri"/>
+            </a:endParaRPr>
+          </a:p>
+          <a:p>
+            <a:r>
+              <a:rPr sz="1800" b="0" i="0">
+                <a:latin typeface="Calibri"/>
+              </a:rPr>
+              <a:t>are: 2/4(many)  4/5(There)  7/8(passages)  </a:t>
+            </a:r>
+            <a:endParaRPr sz="1800" b="0" i="0">
+              <a:latin typeface="Calibri"/>
+            </a:endParaRPr>
+          </a:p>
+          <a:p>
+            <a:r>
+              <a:rPr sz="1800" b="0" i="0">
+                <a:latin typeface="Calibri"/>
+              </a:rPr>
+              <a:t>many: 5/5(Lorem)  1/3(are)  9/10(variations)  8/8(majority)  </a:t>
+            </a:r>
+            <a:endParaRPr sz="1800" b="0" i="0">
+              <a:latin typeface="Calibri"/>
+            </a:endParaRPr>
+          </a:p>
+          <a:p>
+            <a:r>
+              <a:rPr sz="1800" b="0" i="0">
+                <a:latin typeface="Calibri"/>
+              </a:rPr>
+              <a:t>variations: 2/9(available)  1/3(are)  4/5(There)  6/8(majority)  2/4(many)  3/3(but)  8/10(alteration)  1/2(of)  2/2(in)  3/8(passages)  </a:t>
+            </a:r>
+            <a:endParaRPr sz="1800" b="0" i="0">
+              <a:latin typeface="Calibri"/>
+            </a:endParaRPr>
+          </a:p>
+          <a:p>
+            <a:r>
+              <a:rPr sz="1800" b="0" i="0">
+                <a:latin typeface="Calibri"/>
+              </a:rPr>
+              <a:t>of: 8/10(variations)  2/2(of)  </a:t>
+            </a:r>
+            <a:endParaRPr sz="1800" b="0" i="0">
+              <a:latin typeface="Calibri"/>
+            </a:endParaRPr>
+          </a:p>
+          <a:p>
+            <a:r>
+              <a:rPr sz="1800" b="0" i="0">
+                <a:latin typeface="Calibri"/>
+              </a:rPr>
+              <a:t>passages: 2/5(Ipsum)  1/3(are)  10/10(variations)  1/8(suffered)  2/4(many)  4/8(slightly)  3/5(There)  1/4(some)  </a:t>
+            </a:r>
+            <a:endParaRPr sz="1800" b="0" i="0">
+              <a:latin typeface="Calibri"/>
+            </a:endParaRPr>
+          </a:p>
+          <a:p>
+            <a:r>
+              <a:rPr sz="1800" b="0" i="0">
+                <a:latin typeface="Calibri"/>
+              </a:rPr>
+              <a:t>of: 8/10(variations)  2/2(of)  </a:t>
+            </a:r>
+            <a:endParaRPr sz="1800" b="0" i="0">
+              <a:latin typeface="Calibri"/>
+            </a:endParaRPr>
+          </a:p>
+          <a:p>
+            <a:r>
+              <a:rPr sz="1800" b="0" i="0">
+                <a:latin typeface="Calibri"/>
+              </a:rPr>
+              <a:t>Lorem: 1/5(Lorem)  8/10(variations)  4/5(There)  3/3(are)  1/4(many)  </a:t>
+            </a:r>
+            <a:endParaRPr sz="1800" b="0" i="0">
+              <a:latin typeface="Calibri"/>
+            </a:endParaRPr>
+          </a:p>
+        </p:txBody>
+      </p:sp>
+    </p:spTree>
+  </p:cSld>
+  <p:clrMapOvr>
+    <a:masterClrMapping/>
+  </p:clrMapOvr>
+</p:sld>
+</file>
+
+<file path=ppt/slides/slide2.xml><?xml version="1.0" encoding="utf-8"?>
+<p:sld xmlns:a="http://schemas.openxmlformats.org/drawingml/2006/main" xmlns:p="http://schemas.openxmlformats.org/presentationml/2006/main" xmlns:r="http://schemas.openxmlformats.org/officeDocument/2006/relationships">
+  <p:cSld>
+    <p:spTree>
+      <p:nvGrpSpPr>
+        <p:cNvPr id="1" name=""/>
+        <p:cNvGrpSpPr/>
+        <p:nvPr/>
+      </p:nvGrpSpPr>
+      <p:grpSpPr/>
+      <p:sp>
+        <p:nvSpPr>
+          <p:cNvPr id="2" name="TextBox 1"/>
+          <p:cNvSpPr txBox="1"/>
+          <p:nvPr/>
+        </p:nvSpPr>
+        <p:spPr>
+          <a:xfrm>
+            <a:off x="914400" y="914400"/>
+            <a:ext cx="7315200" cy="5486400"/>
+          </a:xfrm>
+          <a:prstGeom prst="rect">
+            <a:avLst/>
+          </a:prstGeom>
+          <a:noFill/>
+        </p:spPr>
+        <p:txBody>
+          <a:bodyPr wrap="square">
+            <a:noAutofit/>
+          </a:bodyPr>
+          <a:lstStyle/>
+          <a:p>
+            <a:endParaRPr sz="1800" b="0" i="0">
+              <a:latin typeface="Calibri"/>
+            </a:endParaRPr>
+          </a:p>
+          <a:p>
+            <a:r>
+              <a:rPr sz="1800" b="0" i="0">
+                <a:latin typeface="Calibri"/>
+              </a:rPr>
+              <a:t>Ipsum: 1/2(If)  1/8(passages)  10/10(variations)  2/3(but)  1/4(many)  </a:t>
+            </a:r>
+            <a:endParaRPr sz="1800" b="0" i="0">
+              <a:latin typeface="Calibri"/>
+            </a:endParaRPr>
+          </a:p>
+          <a:p>
+            <a:r>
+              <a:rPr sz="1800" b="0" i="0">
+                <a:latin typeface="Calibri"/>
+              </a:rPr>
+              <a:t>available: 1/3(are)  1/10(variations)  2/4(many)  6/8(majority)  2/10(alteration)  2/8(passages)  1/3(but)  1/4(look)  3/5(There)  </a:t>
+            </a:r>
+            <a:endParaRPr sz="1800" b="0" i="0">
+              <a:latin typeface="Calibri"/>
+            </a:endParaRPr>
+          </a:p>
+          <a:p>
+            <a:r>
+              <a:rPr sz="1800" b="0" i="0">
+                <a:latin typeface="Calibri"/>
+              </a:rPr>
+              <a:t>but: 7/9(available)  4/5(Ipsum)  6/10(variations)  </a:t>
+            </a:r>
+            <a:endParaRPr sz="1800" b="0" i="0">
+              <a:latin typeface="Calibri"/>
+            </a:endParaRPr>
+          </a:p>
+          <a:p>
+            <a:r>
+              <a:rPr sz="1800" b="0" i="0">
+                <a:latin typeface="Calibri"/>
+              </a:rPr>
+              <a:t>the: 6/10(variations)  2/5(There)  3/3(are)  </a:t>
+            </a:r>
+            <a:endParaRPr sz="1800" b="0" i="0">
+              <a:latin typeface="Calibri"/>
+            </a:endParaRPr>
+          </a:p>
+          <a:p>
+            <a:r>
+              <a:rPr sz="1800" b="0" i="0">
+                <a:latin typeface="Calibri"/>
+              </a:rPr>
+              <a:t>majority: 1/4(many)  1/3(are)  3/8(injected)  8/10(variations)  4/5(There)  4/9(available)  3/3(but)  2/2(by)  </a:t>
+            </a:r>
+            <a:endParaRPr sz="1800" b="0" i="0">
+              <a:latin typeface="Calibri"/>
+            </a:endParaRPr>
+          </a:p>
+          <a:p>
+            <a:r>
+              <a:rPr sz="1800" b="0" i="0">
+                <a:latin typeface="Calibri"/>
+              </a:rPr>
+              <a:t>have: 2/5(There)  1/3(are)  1/10(variations)  7/8(passages)  </a:t>
+            </a:r>
+            <a:endParaRPr sz="1800" b="0" i="0">
+              <a:latin typeface="Calibri"/>
+            </a:endParaRPr>
+          </a:p>
+          <a:p>
+            <a:r>
+              <a:rPr sz="1800" b="0" i="0">
+                <a:latin typeface="Calibri"/>
+              </a:rPr>
+              <a:t>suffered: 10/10(variations)  4/5(Ipsum)  2/2(of)  2/2(of)  3/5(There)  2/3(are)  7/8(passages)  8/8(injected)  </a:t>
+            </a:r>
+            <a:endParaRPr sz="1800" b="0" i="0">
+              <a:latin typeface="Calibri"/>
+            </a:endParaRPr>
+          </a:p>
+          <a:p>
+            <a:r>
+              <a:rPr sz="1800" b="0" i="0">
+                <a:latin typeface="Calibri"/>
+              </a:rPr>
+              <a:t>alteration: 1/3(are)  5/9(available)  6/10(variations)  3/5(There)  3/5(Lorem)  2/4(many)  3/3(but)  6/8(majority)  1/2(of)  2/2(in)  </a:t>
+            </a:r>
+            <a:endParaRPr sz="1800" b="0" i="0">
+              <a:latin typeface="Calibri"/>
+            </a:endParaRPr>
+          </a:p>
+        </p:txBody>
+      </p:sp>
+    </p:spTree>
+  </p:cSld>
+  <p:clrMapOvr>
+    <a:masterClrMapping/>
+  </p:clrMapOvr>
+</p:sld>
+</file>
+
+<file path=ppt/slides/slide3.xml><?xml version="1.0" encoding="utf-8"?>
+<p:sld xmlns:a="http://schemas.openxmlformats.org/drawingml/2006/main" xmlns:p="http://schemas.openxmlformats.org/presentationml/2006/main" xmlns:r="http://schemas.openxmlformats.org/officeDocument/2006/relationships">
+  <p:cSld>
+    <p:spTree>
+      <p:nvGrpSpPr>
+        <p:cNvPr id="1" name=""/>
+        <p:cNvGrpSpPr/>
+        <p:nvPr/>
+      </p:nvGrpSpPr>
+      <p:grpSpPr/>
+      <p:sp>
+        <p:nvSpPr>
+          <p:cNvPr id="2" name="TextBox 1"/>
+          <p:cNvSpPr txBox="1"/>
+          <p:nvPr/>
+        </p:nvSpPr>
+        <p:spPr>
+          <a:xfrm>
+            <a:off x="914400" y="914400"/>
+            <a:ext cx="7315200" cy="5486400"/>
+          </a:xfrm>
+          <a:prstGeom prst="rect">
+            <a:avLst/>
+          </a:prstGeom>
+          <a:noFill/>
+        </p:spPr>
+        <p:txBody>
+          <a:bodyPr wrap="square">
+            <a:noAutofit/>
+          </a:bodyPr>
+          <a:lstStyle/>
+          <a:p>
+            <a:endParaRPr sz="1800" b="0" i="0">
+              <a:latin typeface="Calibri"/>
+            </a:endParaRPr>
+          </a:p>
+          <a:p>
+            <a:r>
+              <a:rPr sz="1800" b="0" i="0">
+                <a:latin typeface="Calibri"/>
+              </a:rPr>
+              <a:t>in: 4/10(variations)  3/4(many)  </a:t>
+            </a:r>
+            <a:endParaRPr sz="1800" b="0" i="0">
+              <a:latin typeface="Calibri"/>
+            </a:endParaRPr>
+          </a:p>
+          <a:p>
+            <a:r>
+              <a:rPr sz="1800" b="0" i="0">
+                <a:latin typeface="Calibri"/>
+              </a:rPr>
+              <a:t>some: 10/10(variations)  1/2(of)  1/4(many)  3/5(There)  </a:t>
+            </a:r>
+            <a:endParaRPr sz="1800" b="0" i="0">
+              <a:latin typeface="Calibri"/>
+            </a:endParaRPr>
+          </a:p>
+          <a:p>
+            <a:r>
+              <a:rPr sz="1800" b="0" i="0">
+                <a:latin typeface="Calibri"/>
+              </a:rPr>
+              <a:t>form: 2/2(of)  8/10(variations)  4/5(There)  1/4(many)  </a:t>
+            </a:r>
+            <a:endParaRPr sz="1800" b="0" i="0">
+              <a:latin typeface="Calibri"/>
+            </a:endParaRPr>
+          </a:p>
+          <a:p>
+            <a:r>
+              <a:rPr sz="1800" b="0" i="0">
+                <a:latin typeface="Calibri"/>
+              </a:rPr>
+              <a:t>by: 7/9(available)  4/4(many)  </a:t>
+            </a:r>
+            <a:endParaRPr sz="1800" b="0" i="0">
+              <a:latin typeface="Calibri"/>
+            </a:endParaRPr>
+          </a:p>
+          <a:p>
+            <a:r>
+              <a:rPr sz="1800" b="0" i="0">
+                <a:latin typeface="Calibri"/>
+              </a:rPr>
+              <a:t>injected: 4/10(variations)  3/4(many)  3/8(majority)  3/5(There)  4/5(which)  3/3(but)  3/3(are)  8/8(suffered)  </a:t>
+            </a:r>
+            <a:endParaRPr sz="1800" b="0" i="0">
+              <a:latin typeface="Calibri"/>
+            </a:endParaRPr>
+          </a:p>
+          <a:p>
+            <a:r>
+              <a:rPr sz="1800" b="0" i="0">
+                <a:latin typeface="Calibri"/>
+              </a:rPr>
+              <a:t>humour: 2/5(There)  4/5(Ipsum)  1/4(many)  8/10(variations)  2/3(but)  2/3(are)  </a:t>
+            </a:r>
+            <a:endParaRPr sz="1800" b="0" i="0">
+              <a:latin typeface="Calibri"/>
+            </a:endParaRPr>
+          </a:p>
+          <a:p>
+            <a:r>
+              <a:rPr sz="1800" b="0" i="0">
+                <a:latin typeface="Calibri"/>
+              </a:rPr>
+              <a:t>or: 8/10(variations)  4/5(There)  </a:t>
+            </a:r>
+            <a:endParaRPr sz="1800" b="0" i="0">
+              <a:latin typeface="Calibri"/>
+            </a:endParaRPr>
+          </a:p>
+          <a:p>
+            <a:r>
+              <a:rPr sz="1800" b="0" i="0">
+                <a:latin typeface="Calibri"/>
+              </a:rPr>
+              <a:t>randomised: 4/5(There)  1/3(are)  3/4(many)  8/8(suffered)  8/10(variations)  5/5(Lorem)  4/9(available)  3/8(passages)  3/3(the)  8/8(injected)  </a:t>
+            </a:r>
+            <a:endParaRPr sz="1800" b="0" i="0">
+              <a:latin typeface="Calibri"/>
+            </a:endParaRPr>
+          </a:p>
+        </p:txBody>
+      </p:sp>
+    </p:spTree>
+  </p:cSld>
+  <p:clrMapOvr>
+    <a:masterClrMapping/>
+  </p:clrMapOvr>
+</p:sld>
+</file>
+
+<file path=ppt/slides/slide4.xml><?xml version="1.0" encoding="utf-8"?>
+<p:sld xmlns:a="http://schemas.openxmlformats.org/drawingml/2006/main" xmlns:p="http://schemas.openxmlformats.org/presentationml/2006/main" xmlns:r="http://schemas.openxmlformats.org/officeDocument/2006/relationships">
+  <p:cSld>
+    <p:spTree>
+      <p:nvGrpSpPr>
+        <p:cNvPr id="1" name=""/>
+        <p:cNvGrpSpPr/>
+        <p:nvPr/>
+      </p:nvGrpSpPr>
+      <p:grpSpPr/>
+      <p:sp>
+        <p:nvSpPr>
+          <p:cNvPr id="2" name="TextBox 1"/>
+          <p:cNvSpPr txBox="1"/>
+          <p:nvPr/>
+        </p:nvSpPr>
+        <p:spPr>
+          <a:xfrm>
+            <a:off x="914400" y="914400"/>
+            <a:ext cx="7315200" cy="5486400"/>
+          </a:xfrm>
+          <a:prstGeom prst="rect">
+            <a:avLst/>
+          </a:prstGeom>
+          <a:noFill/>
+        </p:spPr>
+        <p:txBody>
+          <a:bodyPr wrap="square">
+            <a:noAutofit/>
+          </a:bodyPr>
+          <a:lstStyle/>
+          <a:p>
+            <a:endParaRPr sz="1800" b="0" i="0">
+              <a:latin typeface="Calibri"/>
+            </a:endParaRPr>
+          </a:p>
+          <a:p>
+            <a:r>
+              <a:rPr sz="1800" b="0" i="0">
+                <a:latin typeface="Calibri"/>
+              </a:rPr>
+              <a:t>words: 1/5(which)  8/10(variations)  4/5(There)  8/8(suffered)  3/8(passages)  </a:t>
+            </a:r>
+            <a:endParaRPr sz="1800" b="0" i="0">
+              <a:latin typeface="Calibri"/>
+            </a:endParaRPr>
+          </a:p>
+          <a:p>
+            <a:r>
+              <a:rPr sz="1800" b="0" i="0">
+                <a:latin typeface="Calibri"/>
+              </a:rPr>
+              <a:t>which: 1/5(words)  2/5(There)  4/10(variations)  5/8(injected)  2/3(the)  </a:t>
+            </a:r>
+            <a:endParaRPr sz="1800" b="0" i="0">
+              <a:latin typeface="Calibri"/>
+            </a:endParaRPr>
+          </a:p>
+          <a:p>
+            <a:r>
+              <a:rPr sz="1800" b="0" i="0">
+                <a:latin typeface="Calibri"/>
+              </a:rPr>
+              <a:t>dont: 8/8(suffered)  8/10(variations)  3/4(many)  3/3(but)  </a:t>
+            </a:r>
+            <a:endParaRPr sz="1800" b="0" i="0">
+              <a:latin typeface="Calibri"/>
+            </a:endParaRPr>
+          </a:p>
+          <a:p>
+            <a:r>
+              <a:rPr sz="1800" b="0" i="0">
+                <a:latin typeface="Calibri"/>
+              </a:rPr>
+              <a:t>look: 5/9(available)  8/10(variations)  1/2(of)  ??(not enough words to generate)</a:t>
+            </a:r>
+            <a:endParaRPr sz="1800" b="0" i="0">
+              <a:latin typeface="Calibri"/>
+            </a:endParaRPr>
+          </a:p>
+          <a:p>
+            <a:r>
+              <a:rPr sz="1800" b="0" i="0">
+                <a:latin typeface="Calibri"/>
+              </a:rPr>
+              <a:t>even: 3/5(There)  1/10(variations)  3/3(are)  3/4(many)  </a:t>
+            </a:r>
+            <a:endParaRPr sz="1800" b="0" i="0">
+              <a:latin typeface="Calibri"/>
+            </a:endParaRPr>
+          </a:p>
+          <a:p>
+            <a:r>
+              <a:rPr sz="1800" b="0" i="0">
+                <a:latin typeface="Calibri"/>
+              </a:rPr>
+              <a:t>slightly: 10/10(variations)  5/9(available)  6/8(majority)  6/8(passages)  2/5(There)  3/3(but)  2/10(alteration)  4/4(many)  </a:t>
+            </a:r>
+            <a:endParaRPr sz="1800" b="0" i="0">
+              <a:latin typeface="Calibri"/>
+            </a:endParaRPr>
+          </a:p>
+          <a:p>
+            <a:r>
+              <a:rPr sz="1800" b="0" i="0">
+                <a:latin typeface="Calibri"/>
+              </a:rPr>
+              <a:t>believable.: 7/9(available)  3/5(There)  2/10(alteration)  4/10(variations)  3/3(are)  3/4(have)  2/4(many)  1/3(but)  1/4(look)  7/8(passages)  ??(not enough words to generate)</a:t>
+            </a:r>
+            <a:endParaRPr sz="1800" b="0" i="0">
+              <a:latin typeface="Calibri"/>
+            </a:endParaRPr>
+          </a:p>
+          <a:p>
+            <a:r>
+              <a:rPr sz="1800" b="0" i="0">
+                <a:latin typeface="Calibri"/>
+              </a:rPr>
+              <a:t>If: 1/5(Ipsum)  2/2(of)  </a:t>
+            </a:r>
+            <a:endParaRPr sz="1800" b="0" i="0">
+              <a:latin typeface="Calibri"/>
+            </a:endParaRPr>
+          </a:p>
+        </p:txBody>
+      </p:sp>
+    </p:spTree>
+  </p:cSld>
+  <p:clrMapOvr>
+    <a:masterClrMapping/>
+  </p:clrMapOvr>
+</p:sld>
+</file>
+
+<file path=ppt/slides/slide5.xml><?xml version="1.0" encoding="utf-8"?>
+<p:sld xmlns:a="http://schemas.openxmlformats.org/drawingml/2006/main" xmlns:p="http://schemas.openxmlformats.org/presentationml/2006/main" xmlns:r="http://schemas.openxmlformats.org/officeDocument/2006/relationships">
+  <p:cSld>
+    <p:spTree>
+      <p:nvGrpSpPr>
+        <p:cNvPr id="1" name=""/>
+        <p:cNvGrpSpPr/>
+        <p:nvPr/>
+      </p:nvGrpSpPr>
+      <p:grpSpPr/>
+      <p:sp>
+        <p:nvSpPr>
+          <p:cNvPr id="2" name="TextBox 1"/>
+          <p:cNvSpPr txBox="1"/>
+          <p:nvPr/>
+        </p:nvSpPr>
+        <p:spPr>
+          <a:xfrm>
+            <a:off x="914400" y="914400"/>
+            <a:ext cx="7315200" cy="5486400"/>
+          </a:xfrm>
+          <a:prstGeom prst="rect">
+            <a:avLst/>
+          </a:prstGeom>
+          <a:noFill/>
+        </p:spPr>
+        <p:txBody>
+          <a:bodyPr wrap="square">
+            <a:noAutofit/>
+          </a:bodyPr>
+          <a:lstStyle/>
+          <a:p>
+            <a:endParaRPr sz="1800" b="0" i="0">
+              <a:latin typeface="Calibri"/>
+            </a:endParaRPr>
+          </a:p>
+          <a:p>
+            <a:r>
+              <a:rPr sz="1800" b="0" i="0">
+                <a:latin typeface="Calibri"/>
+              </a:rPr>
+              <a:t>you: 4/4(many)  8/10(variations)  4/5(Ipsum)  </a:t>
+            </a:r>
+            <a:endParaRPr sz="1800" b="0" i="0">
+              <a:latin typeface="Calibri"/>
+            </a:endParaRPr>
+          </a:p>
+          <a:p>
+            <a:r>
+              <a:rPr sz="1800" b="0" i="0">
+                <a:latin typeface="Calibri"/>
+              </a:rPr>
+              <a:t>are: 2/4(many)  4/5(There)  7/8(passages)  </a:t>
+            </a:r>
+            <a:endParaRPr sz="1800" b="0" i="0">
+              <a:latin typeface="Calibri"/>
+            </a:endParaRPr>
+          </a:p>
+          <a:p>
+            <a:r>
+              <a:rPr sz="1800" b="0" i="0">
+                <a:latin typeface="Calibri"/>
+              </a:rPr>
+              <a:t>going: 6/8(passages)  8/10(variations)  4/9(available)  3/4(many)  4/8(slightly)  </a:t>
+            </a:r>
+            <a:endParaRPr sz="1800" b="0" i="0">
+              <a:latin typeface="Calibri"/>
+            </a:endParaRPr>
+          </a:p>
+          <a:p>
+            <a:r>
+              <a:rPr sz="1800" b="0" i="0">
+                <a:latin typeface="Calibri"/>
+              </a:rPr>
+              <a:t>to: 6/10(variations)  1/2(of)  </a:t>
+            </a:r>
+            <a:endParaRPr sz="1800" b="0" i="0">
+              <a:latin typeface="Calibri"/>
+            </a:endParaRPr>
+          </a:p>
+          <a:p>
+            <a:r>
+              <a:rPr sz="1800" b="0" i="0">
+                <a:latin typeface="Calibri"/>
+              </a:rPr>
+              <a:t>use: 4/5(Ipsum)  10/10(variations)  3/5(There)  </a:t>
+            </a:r>
+            <a:endParaRPr sz="1800" b="0" i="0">
+              <a:latin typeface="Calibri"/>
+            </a:endParaRPr>
+          </a:p>
+          <a:p>
+            <a:r>
+              <a:rPr sz="1800" b="0" i="0">
+                <a:latin typeface="Calibri"/>
+              </a:rPr>
+              <a:t>a: 1/3(are)  </a:t>
+            </a:r>
+            <a:endParaRPr sz="1800" b="0" i="0">
+              <a:latin typeface="Calibri"/>
+            </a:endParaRPr>
+          </a:p>
+          <a:p>
+            <a:r>
+              <a:rPr sz="1800" b="0" i="0">
+                <a:latin typeface="Calibri"/>
+              </a:rPr>
+              <a:t>passage: 1/8(passages)  1/3(are)  10/10(variations)  3/5(Ipsum)  2/4(many)  4/8(slightly)  3/5(There)  </a:t>
+            </a:r>
+            <a:endParaRPr sz="1800" b="0" i="0">
+              <a:latin typeface="Calibri"/>
+            </a:endParaRPr>
+          </a:p>
+          <a:p>
+            <a:r>
+              <a:rPr sz="1800" b="0" i="0">
+                <a:latin typeface="Calibri"/>
+              </a:rPr>
+              <a:t>of: 8/10(variations)  2/2(of)  </a:t>
+            </a:r>
+            <a:endParaRPr sz="1800" b="0" i="0">
+              <a:latin typeface="Calibri"/>
+            </a:endParaRPr>
+          </a:p>
+        </p:txBody>
+      </p:sp>
+    </p:spTree>
+  </p:cSld>
+  <p:clrMapOvr>
+    <a:masterClrMapping/>
+  </p:clrMapOvr>
+</p:sld>
+</file>
+
+<file path=ppt/slides/slide6.xml><?xml version="1.0" encoding="utf-8"?>
+<p:sld xmlns:a="http://schemas.openxmlformats.org/drawingml/2006/main" xmlns:p="http://schemas.openxmlformats.org/presentationml/2006/main" xmlns:r="http://schemas.openxmlformats.org/officeDocument/2006/relationships">
+  <p:cSld>
+    <p:spTree>
+      <p:nvGrpSpPr>
+        <p:cNvPr id="1" name=""/>
+        <p:cNvGrpSpPr/>
+        <p:nvPr/>
+      </p:nvGrpSpPr>
+      <p:grpSpPr/>
+      <p:sp>
+        <p:nvSpPr>
+          <p:cNvPr id="2" name="TextBox 1"/>
+          <p:cNvSpPr txBox="1"/>
+          <p:nvPr/>
+        </p:nvSpPr>
+        <p:spPr>
+          <a:xfrm>
+            <a:off x="914400" y="914400"/>
+            <a:ext cx="7315200" cy="5486400"/>
+          </a:xfrm>
+          <a:prstGeom prst="rect">
+            <a:avLst/>
+          </a:prstGeom>
+          <a:noFill/>
+        </p:spPr>
+        <p:txBody>
+          <a:bodyPr wrap="square">
+            <a:noAutofit/>
+          </a:bodyPr>
+          <a:lstStyle/>
+          <a:p>
+            <a:endParaRPr sz="1800" b="0" i="0">
+              <a:latin typeface="Calibri"/>
+            </a:endParaRPr>
+          </a:p>
+          <a:p>
+            <a:r>
+              <a:rPr sz="1800" b="0" i="0">
+                <a:latin typeface="Calibri"/>
+              </a:rPr>
+              <a:t>Lorem: 1/5(Lorem)  8/10(variations)  4/5(There)  3/3(are)  1/4(many)  </a:t>
+            </a:r>
+            <a:endParaRPr sz="1800" b="0" i="0">
+              <a:latin typeface="Calibri"/>
+            </a:endParaRPr>
+          </a:p>
+          <a:p>
+            <a:r>
+              <a:rPr sz="1800" b="0" i="0">
+                <a:latin typeface="Calibri"/>
+              </a:rPr>
+              <a:t>Ipsum: 1/2(If)  1/8(passages)  10/10(variations)  2/3(but)  1/4(many)  </a:t>
+            </a:r>
+            <a:endParaRPr sz="1800" b="0" i="0">
+              <a:latin typeface="Calibri"/>
+            </a:endParaRPr>
+          </a:p>
+          <a:p>
+            <a:r>
+              <a:rPr sz="1800" b="0" i="0">
+                <a:latin typeface="Calibri"/>
+              </a:rPr>
+              <a:t>you: 4/4(many)  8/10(variations)  4/5(Ipsum)  </a:t>
+            </a:r>
+            <a:endParaRPr sz="1800" b="0" i="0">
+              <a:latin typeface="Calibri"/>
+            </a:endParaRPr>
+          </a:p>
+          <a:p>
+            <a:r>
+              <a:rPr sz="1800" b="0" i="0">
+                <a:latin typeface="Calibri"/>
+              </a:rPr>
+              <a:t>need: 3/4(many)  3/5(There)  3/3(are)  8/8(suffered)  </a:t>
+            </a:r>
+            <a:endParaRPr sz="1800" b="0" i="0">
+              <a:latin typeface="Calibri"/>
+            </a:endParaRPr>
+          </a:p>
+          <a:p>
+            <a:r>
+              <a:rPr sz="1800" b="0" i="0">
+                <a:latin typeface="Calibri"/>
+              </a:rPr>
+              <a:t>to: 6/10(variations)  1/2(of)  </a:t>
+            </a:r>
+            <a:endParaRPr sz="1800" b="0" i="0">
+              <a:latin typeface="Calibri"/>
+            </a:endParaRPr>
+          </a:p>
+          <a:p>
+            <a:r>
+              <a:rPr sz="1800" b="0" i="0">
+                <a:latin typeface="Calibri"/>
+              </a:rPr>
+              <a:t>be: 7/9(available)  3/5(There)  </a:t>
+            </a:r>
+            <a:endParaRPr sz="1800" b="0" i="0">
+              <a:latin typeface="Calibri"/>
+            </a:endParaRPr>
+          </a:p>
+          <a:p>
+            <a:r>
+              <a:rPr sz="1800" b="0" i="0">
+                <a:latin typeface="Calibri"/>
+              </a:rPr>
+              <a:t>sure: 10/10(variations)  4/5(Ipsum)  4/5(There)  3/3(are)  </a:t>
+            </a:r>
+            <a:endParaRPr sz="1800" b="0" i="0">
+              <a:latin typeface="Calibri"/>
+            </a:endParaRPr>
+          </a:p>
+          <a:p>
+            <a:r>
+              <a:rPr sz="1800" b="0" i="0">
+                <a:latin typeface="Calibri"/>
+              </a:rPr>
+              <a:t>there: 6/10(variations)  2/5(There)  3/3(are)  3/5(Lorem)  7/8(passages)  </a:t>
+            </a:r>
+            <a:endParaRPr sz="1800" b="0" i="0">
+              <a:latin typeface="Calibri"/>
+            </a:endParaRPr>
+          </a:p>
+        </p:txBody>
+      </p:sp>
+    </p:spTree>
+  </p:cSld>
+  <p:clrMapOvr>
+    <a:masterClrMapping/>
+  </p:clrMapOvr>
+</p:sld>
+</file>
+
+<file path=ppt/slides/slide7.xml><?xml version="1.0" encoding="utf-8"?>
+<p:sld xmlns:a="http://schemas.openxmlformats.org/drawingml/2006/main" xmlns:p="http://schemas.openxmlformats.org/presentationml/2006/main" xmlns:r="http://schemas.openxmlformats.org/officeDocument/2006/relationships">
+  <p:cSld>
+    <p:spTree>
+      <p:nvGrpSpPr>
+        <p:cNvPr id="1" name=""/>
+        <p:cNvGrpSpPr/>
+        <p:nvPr/>
+      </p:nvGrpSpPr>
+      <p:grpSpPr/>
+      <p:sp>
+        <p:nvSpPr>
+          <p:cNvPr id="2" name="TextBox 1"/>
+          <p:cNvSpPr txBox="1"/>
+          <p:nvPr/>
+        </p:nvSpPr>
+        <p:spPr>
+          <a:xfrm>
+            <a:off x="914400" y="914400"/>
+            <a:ext cx="7315200" cy="5486400"/>
+          </a:xfrm>
+          <a:prstGeom prst="rect">
+            <a:avLst/>
+          </a:prstGeom>
+          <a:noFill/>
+        </p:spPr>
+        <p:txBody>
+          <a:bodyPr wrap="square">
+            <a:noAutofit/>
+          </a:bodyPr>
+          <a:lstStyle/>
+          <a:p>
+            <a:endParaRPr sz="1800" b="0" i="0">
+              <a:latin typeface="Calibri"/>
+            </a:endParaRPr>
+          </a:p>
+          <a:p>
+            <a:r>
+              <a:rPr sz="1800" b="0" i="0">
+                <a:latin typeface="Calibri"/>
+              </a:rPr>
+              <a:t>isn't: 4/10(variations)  3/8(passages)  3/4(many)  3/3(but)  </a:t>
+            </a:r>
+            <a:endParaRPr sz="1800" b="0" i="0">
+              <a:latin typeface="Calibri"/>
+            </a:endParaRPr>
+          </a:p>
+          <a:p>
+            <a:r>
+              <a:rPr sz="1800" b="0" i="0">
+                <a:latin typeface="Calibri"/>
+              </a:rPr>
+              <a:t>anything: 1/3(are)  3/4(many)  8/8(majority)  6/10(variations)  2/5(There)  4/9(available)  10/10(alteration)  6/8(passages)  </a:t>
+            </a:r>
+            <a:endParaRPr sz="1800" b="0" i="0">
+              <a:latin typeface="Calibri"/>
+            </a:endParaRPr>
+          </a:p>
+          <a:p>
+            <a:r>
+              <a:rPr sz="1800" b="0" i="0">
+                <a:latin typeface="Calibri"/>
+              </a:rPr>
+              <a:t>emb: 3/5(There)  1/4(many)  7/9(available)  </a:t>
             </a:r>
             <a:endParaRPr sz="1800" b="0" i="0">
               <a:latin typeface="Calibri"/>
